--- a/Python3/2.Python3-函数.pptx
+++ b/Python3/2.Python3-函数.pptx
@@ -9104,7 +9104,7 @@
             </a:endParaRPr>
           </a:p>
           <a:p>
-            <a:pPr algn="l"/>
+            <a:pPr indent="457200" algn="l" eaLnBrk="1" latinLnBrk="0" hangingPunct="1"/>
             <a:r>
               <a:rPr lang="zh-CN" altLang="en-US"/>
               <a:t>Python内置了很多有用的函数， 我们可以直接调用。</a:t>
@@ -9112,7 +9112,7 @@
             <a:endParaRPr lang="zh-CN" altLang="en-US"/>
           </a:p>
           <a:p>
-            <a:pPr algn="l"/>
+            <a:pPr indent="457200" algn="l" eaLnBrk="1" latinLnBrk="0" hangingPunct="1"/>
             <a:r>
               <a:rPr lang="zh-CN" altLang="en-US"/>
               <a:t>要调用一个函数， 需要知道函数的名称和参数， 比如求绝对值的函数 abs ， 只有一个参数。 可以直接从Python的官方网站查看文档：</a:t>
@@ -9260,7 +9260,7 @@
             </a:endParaRPr>
           </a:p>
           <a:p>
-            <a:pPr algn="l"/>
+            <a:pPr indent="457200" algn="l" eaLnBrk="1" latinLnBrk="0" hangingPunct="1"/>
             <a:r>
               <a:rPr lang="zh-CN" altLang="en-US"/>
               <a:t>在Python中， 定义一个函数要使用 def 语句， 依次写出函数名、 括号、 括号中的参数和冒号 : ， 然后， 在缩进块中编写函数体， 函数的返回值用 return 语句返回。</a:t>
@@ -9300,39 +9300,66 @@
           <a:p>
             <a:pPr algn="l"/>
             <a:r>
-              <a:rPr lang="zh-CN" altLang="en-US"/>
+              <a:rPr lang="zh-CN" altLang="en-US">
+                <a:latin typeface="Source Code Pro" panose="020B0509030403020204" charset="0"/>
+                <a:cs typeface="Source Code Pro" panose="020B0509030403020204" charset="0"/>
+              </a:rPr>
               <a:t>def my_abs(x):</a:t>
             </a:r>
-            <a:endParaRPr lang="zh-CN" altLang="en-US"/>
+            <a:endParaRPr lang="zh-CN" altLang="en-US">
+              <a:latin typeface="Source Code Pro" panose="020B0509030403020204" charset="0"/>
+              <a:cs typeface="Source Code Pro" panose="020B0509030403020204" charset="0"/>
+            </a:endParaRPr>
           </a:p>
           <a:p>
             <a:pPr algn="l"/>
             <a:r>
-              <a:rPr lang="zh-CN" altLang="en-US"/>
+              <a:rPr lang="zh-CN" altLang="en-US">
+                <a:latin typeface="Source Code Pro" panose="020B0509030403020204" charset="0"/>
+                <a:cs typeface="Source Code Pro" panose="020B0509030403020204" charset="0"/>
+              </a:rPr>
               <a:t>    if x &gt;= 0:</a:t>
             </a:r>
-            <a:endParaRPr lang="zh-CN" altLang="en-US"/>
+            <a:endParaRPr lang="zh-CN" altLang="en-US">
+              <a:latin typeface="Source Code Pro" panose="020B0509030403020204" charset="0"/>
+              <a:cs typeface="Source Code Pro" panose="020B0509030403020204" charset="0"/>
+            </a:endParaRPr>
           </a:p>
           <a:p>
             <a:pPr algn="l"/>
             <a:r>
-              <a:rPr lang="zh-CN" altLang="en-US"/>
+              <a:rPr lang="zh-CN" altLang="en-US">
+                <a:latin typeface="Source Code Pro" panose="020B0509030403020204" charset="0"/>
+                <a:cs typeface="Source Code Pro" panose="020B0509030403020204" charset="0"/>
+              </a:rPr>
               <a:t>        return x</a:t>
             </a:r>
-            <a:endParaRPr lang="zh-CN" altLang="en-US"/>
+            <a:endParaRPr lang="zh-CN" altLang="en-US">
+              <a:latin typeface="Source Code Pro" panose="020B0509030403020204" charset="0"/>
+              <a:cs typeface="Source Code Pro" panose="020B0509030403020204" charset="0"/>
+            </a:endParaRPr>
           </a:p>
           <a:p>
             <a:pPr algn="l"/>
             <a:r>
-              <a:rPr lang="zh-CN" altLang="en-US"/>
+              <a:rPr lang="zh-CN" altLang="en-US">
+                <a:latin typeface="Source Code Pro" panose="020B0509030403020204" charset="0"/>
+                <a:cs typeface="Source Code Pro" panose="020B0509030403020204" charset="0"/>
+              </a:rPr>
               <a:t>    else:</a:t>
             </a:r>
-            <a:endParaRPr lang="zh-CN" altLang="en-US"/>
+            <a:endParaRPr lang="zh-CN" altLang="en-US">
+              <a:latin typeface="Source Code Pro" panose="020B0509030403020204" charset="0"/>
+              <a:cs typeface="Source Code Pro" panose="020B0509030403020204" charset="0"/>
+            </a:endParaRPr>
           </a:p>
           <a:p>
             <a:pPr algn="l"/>
             <a:r>
-              <a:rPr lang="zh-CN" altLang="en-US"/>
+              <a:rPr lang="zh-CN" altLang="en-US">
+                <a:latin typeface="Source Code Pro" panose="020B0509030403020204" charset="0"/>
+                <a:cs typeface="Source Code Pro" panose="020B0509030403020204" charset="0"/>
+              </a:rPr>
               <a:t>        return -x</a:t>
             </a:r>
             <a:endParaRPr lang="zh-CN" altLang="en-US"/>
@@ -9364,18 +9391,30 @@
           <a:p>
             <a:pPr algn="l"/>
             <a:r>
-              <a:rPr lang="zh-CN" altLang="en-US"/>
+              <a:rPr lang="zh-CN" altLang="en-US">
+                <a:latin typeface="Source Code Pro" panose="020B0509030403020204" charset="0"/>
+                <a:cs typeface="Source Code Pro" panose="020B0509030403020204" charset="0"/>
+              </a:rPr>
               <a:t>def nop():</a:t>
             </a:r>
-            <a:endParaRPr lang="zh-CN" altLang="en-US"/>
+            <a:endParaRPr lang="zh-CN" altLang="en-US">
+              <a:latin typeface="Source Code Pro" panose="020B0509030403020204" charset="0"/>
+              <a:cs typeface="Source Code Pro" panose="020B0509030403020204" charset="0"/>
+            </a:endParaRPr>
           </a:p>
           <a:p>
             <a:pPr algn="l"/>
             <a:r>
-              <a:rPr lang="zh-CN" altLang="en-US"/>
+              <a:rPr lang="zh-CN" altLang="en-US">
+                <a:latin typeface="Source Code Pro" panose="020B0509030403020204" charset="0"/>
+                <a:cs typeface="Source Code Pro" panose="020B0509030403020204" charset="0"/>
+              </a:rPr>
               <a:t>    pass</a:t>
             </a:r>
-            <a:endParaRPr lang="zh-CN" altLang="en-US"/>
+            <a:endParaRPr lang="zh-CN" altLang="en-US">
+              <a:latin typeface="Source Code Pro" panose="020B0509030403020204" charset="0"/>
+              <a:cs typeface="Source Code Pro" panose="020B0509030403020204" charset="0"/>
+            </a:endParaRPr>
           </a:p>
         </p:txBody>
       </p:sp>
@@ -9387,8 +9426,8 @@
         </p:nvSpPr>
         <p:spPr>
           <a:xfrm>
-            <a:off x="4095115" y="3649345"/>
-            <a:ext cx="3142615" cy="2676525"/>
+            <a:off x="4104005" y="3649345"/>
+            <a:ext cx="4290695" cy="2676525"/>
           </a:xfrm>
           <a:prstGeom prst="rect">
             <a:avLst/>
@@ -9444,53 +9483,95 @@
           </a:p>
           <a:p>
             <a:r>
-              <a:rPr lang="zh-CN" altLang="en-US"/>
+              <a:rPr lang="zh-CN" altLang="en-US">
+                <a:latin typeface="Source Code Pro" panose="020B0509030403020204" charset="0"/>
+                <a:cs typeface="Source Code Pro" panose="020B0509030403020204" charset="0"/>
+              </a:rPr>
               <a:t>def power(x, n </a:t>
             </a:r>
             <a:r>
-              <a:rPr lang="en-US" altLang="zh-CN"/>
+              <a:rPr lang="en-US" altLang="zh-CN">
+                <a:latin typeface="Source Code Pro" panose="020B0509030403020204" charset="0"/>
+                <a:cs typeface="Source Code Pro" panose="020B0509030403020204" charset="0"/>
+              </a:rPr>
               <a:t>= 2</a:t>
             </a:r>
             <a:r>
-              <a:rPr lang="zh-CN" altLang="en-US"/>
+              <a:rPr lang="zh-CN" altLang="en-US">
+                <a:latin typeface="Source Code Pro" panose="020B0509030403020204" charset="0"/>
+                <a:cs typeface="Source Code Pro" panose="020B0509030403020204" charset="0"/>
+              </a:rPr>
               <a:t>):</a:t>
             </a:r>
-            <a:endParaRPr lang="zh-CN" altLang="en-US"/>
-          </a:p>
-          <a:p>
-            <a:r>
-              <a:rPr lang="zh-CN" altLang="en-US"/>
+            <a:endParaRPr lang="zh-CN" altLang="en-US">
+              <a:latin typeface="Source Code Pro" panose="020B0509030403020204" charset="0"/>
+              <a:cs typeface="Source Code Pro" panose="020B0509030403020204" charset="0"/>
+            </a:endParaRPr>
+          </a:p>
+          <a:p>
+            <a:r>
+              <a:rPr lang="zh-CN" altLang="en-US">
+                <a:latin typeface="Source Code Pro" panose="020B0509030403020204" charset="0"/>
+                <a:cs typeface="Source Code Pro" panose="020B0509030403020204" charset="0"/>
+              </a:rPr>
               <a:t>    s = 1</a:t>
             </a:r>
-            <a:endParaRPr lang="zh-CN" altLang="en-US"/>
-          </a:p>
-          <a:p>
-            <a:r>
-              <a:rPr lang="zh-CN" altLang="en-US"/>
+            <a:endParaRPr lang="zh-CN" altLang="en-US">
+              <a:latin typeface="Source Code Pro" panose="020B0509030403020204" charset="0"/>
+              <a:cs typeface="Source Code Pro" panose="020B0509030403020204" charset="0"/>
+            </a:endParaRPr>
+          </a:p>
+          <a:p>
+            <a:r>
+              <a:rPr lang="zh-CN" altLang="en-US">
+                <a:latin typeface="Source Code Pro" panose="020B0509030403020204" charset="0"/>
+                <a:cs typeface="Source Code Pro" panose="020B0509030403020204" charset="0"/>
+              </a:rPr>
               <a:t>    while n &gt; 0:</a:t>
             </a:r>
-            <a:endParaRPr lang="zh-CN" altLang="en-US"/>
-          </a:p>
-          <a:p>
-            <a:r>
-              <a:rPr lang="zh-CN" altLang="en-US"/>
+            <a:endParaRPr lang="zh-CN" altLang="en-US">
+              <a:latin typeface="Source Code Pro" panose="020B0509030403020204" charset="0"/>
+              <a:cs typeface="Source Code Pro" panose="020B0509030403020204" charset="0"/>
+            </a:endParaRPr>
+          </a:p>
+          <a:p>
+            <a:r>
+              <a:rPr lang="zh-CN" altLang="en-US">
+                <a:latin typeface="Source Code Pro" panose="020B0509030403020204" charset="0"/>
+                <a:cs typeface="Source Code Pro" panose="020B0509030403020204" charset="0"/>
+              </a:rPr>
               <a:t>         n = n - 1</a:t>
             </a:r>
-            <a:endParaRPr lang="zh-CN" altLang="en-US"/>
-          </a:p>
-          <a:p>
-            <a:r>
-              <a:rPr lang="zh-CN" altLang="en-US"/>
+            <a:endParaRPr lang="zh-CN" altLang="en-US">
+              <a:latin typeface="Source Code Pro" panose="020B0509030403020204" charset="0"/>
+              <a:cs typeface="Source Code Pro" panose="020B0509030403020204" charset="0"/>
+            </a:endParaRPr>
+          </a:p>
+          <a:p>
+            <a:r>
+              <a:rPr lang="zh-CN" altLang="en-US">
+                <a:latin typeface="Source Code Pro" panose="020B0509030403020204" charset="0"/>
+                <a:cs typeface="Source Code Pro" panose="020B0509030403020204" charset="0"/>
+              </a:rPr>
               <a:t>         s = s * x</a:t>
             </a:r>
-            <a:endParaRPr lang="zh-CN" altLang="en-US"/>
-          </a:p>
-          <a:p>
-            <a:r>
-              <a:rPr lang="zh-CN" altLang="en-US"/>
+            <a:endParaRPr lang="zh-CN" altLang="en-US">
+              <a:latin typeface="Source Code Pro" panose="020B0509030403020204" charset="0"/>
+              <a:cs typeface="Source Code Pro" panose="020B0509030403020204" charset="0"/>
+            </a:endParaRPr>
+          </a:p>
+          <a:p>
+            <a:r>
+              <a:rPr lang="zh-CN" altLang="en-US">
+                <a:latin typeface="Source Code Pro" panose="020B0509030403020204" charset="0"/>
+                <a:cs typeface="Source Code Pro" panose="020B0509030403020204" charset="0"/>
+              </a:rPr>
               <a:t>    return s</a:t>
             </a:r>
-            <a:endParaRPr lang="zh-CN" altLang="en-US"/>
+            <a:endParaRPr lang="zh-CN" altLang="en-US">
+              <a:latin typeface="Source Code Pro" panose="020B0509030403020204" charset="0"/>
+              <a:cs typeface="Source Code Pro" panose="020B0509030403020204" charset="0"/>
+            </a:endParaRPr>
           </a:p>
         </p:txBody>
       </p:sp>
